--- a/Presentation/08 - Blazor - Architektura aplikace.pptx
+++ b/Presentation/08 - Blazor - Architektura aplikace.pptx
@@ -5,11 +5,12 @@
     <p:sldMasterId id="2147483794" r:id="rId4"/>
   </p:sldMasterIdLst>
   <p:notesMasterIdLst>
-    <p:notesMasterId r:id="rId7"/>
+    <p:notesMasterId r:id="rId8"/>
   </p:notesMasterIdLst>
   <p:sldIdLst>
     <p:sldId id="256" r:id="rId5"/>
     <p:sldId id="330" r:id="rId6"/>
+    <p:sldId id="331" r:id="rId7"/>
   </p:sldIdLst>
   <p:sldSz cx="12192000" cy="6858000"/>
   <p:notesSz cx="6858000" cy="9144000"/>
@@ -240,7 +241,7 @@
             <a:fld id="{A74C3DD1-6B4C-423E-A696-BD4124EC33BC}" type="datetimeFigureOut">
               <a:rPr lang="cs-CZ" smtClean="0"/>
               <a:pPr/>
-              <a:t>25.02.2020</a:t>
+              <a:t>27.02.2020</a:t>
             </a:fld>
             <a:endParaRPr lang="cs-CZ" dirty="0"/>
           </a:p>
@@ -707,7 +708,7 @@
           <a:p>
             <a:fld id="{0DA6F2F8-F70A-47D7-AD2D-4F12E71A0C18}" type="datetimeFigureOut">
               <a:rPr lang="cs-CZ" smtClean="0"/>
-              <a:t>25.02.2020</a:t>
+              <a:t>27.02.2020</a:t>
             </a:fld>
             <a:endParaRPr lang="cs-CZ"/>
           </a:p>
@@ -889,7 +890,7 @@
           <a:p>
             <a:fld id="{0DA6F2F8-F70A-47D7-AD2D-4F12E71A0C18}" type="datetimeFigureOut">
               <a:rPr lang="cs-CZ" smtClean="0"/>
-              <a:t>25.02.2020</a:t>
+              <a:t>27.02.2020</a:t>
             </a:fld>
             <a:endParaRPr lang="cs-CZ"/>
           </a:p>
@@ -1081,7 +1082,7 @@
           <a:p>
             <a:fld id="{0DA6F2F8-F70A-47D7-AD2D-4F12E71A0C18}" type="datetimeFigureOut">
               <a:rPr lang="cs-CZ" smtClean="0"/>
-              <a:t>25.02.2020</a:t>
+              <a:t>27.02.2020</a:t>
             </a:fld>
             <a:endParaRPr lang="cs-CZ"/>
           </a:p>
@@ -1296,7 +1297,7 @@
           <a:p>
             <a:fld id="{0DA6F2F8-F70A-47D7-AD2D-4F12E71A0C18}" type="datetimeFigureOut">
               <a:rPr lang="cs-CZ" smtClean="0"/>
-              <a:t>25.02.2020</a:t>
+              <a:t>27.02.2020</a:t>
             </a:fld>
             <a:endParaRPr lang="cs-CZ"/>
           </a:p>
@@ -1571,7 +1572,7 @@
           <a:p>
             <a:fld id="{0DA6F2F8-F70A-47D7-AD2D-4F12E71A0C18}" type="datetimeFigureOut">
               <a:rPr lang="cs-CZ" smtClean="0"/>
-              <a:t>25.02.2020</a:t>
+              <a:t>27.02.2020</a:t>
             </a:fld>
             <a:endParaRPr lang="cs-CZ"/>
           </a:p>
@@ -1888,7 +1889,7 @@
           <a:p>
             <a:fld id="{0DA6F2F8-F70A-47D7-AD2D-4F12E71A0C18}" type="datetimeFigureOut">
               <a:rPr lang="cs-CZ" smtClean="0"/>
-              <a:t>25.02.2020</a:t>
+              <a:t>27.02.2020</a:t>
             </a:fld>
             <a:endParaRPr lang="cs-CZ" dirty="0"/>
           </a:p>
@@ -2339,7 +2340,7 @@
           <a:p>
             <a:fld id="{0DA6F2F8-F70A-47D7-AD2D-4F12E71A0C18}" type="datetimeFigureOut">
               <a:rPr lang="cs-CZ" smtClean="0"/>
-              <a:t>25.02.2020</a:t>
+              <a:t>27.02.2020</a:t>
             </a:fld>
             <a:endParaRPr lang="cs-CZ"/>
           </a:p>
@@ -2486,7 +2487,7 @@
           <a:p>
             <a:fld id="{0DA6F2F8-F70A-47D7-AD2D-4F12E71A0C18}" type="datetimeFigureOut">
               <a:rPr lang="cs-CZ" smtClean="0"/>
-              <a:t>25.02.2020</a:t>
+              <a:t>27.02.2020</a:t>
             </a:fld>
             <a:endParaRPr lang="cs-CZ"/>
           </a:p>
@@ -2593,7 +2594,7 @@
           <a:p>
             <a:fld id="{0DA6F2F8-F70A-47D7-AD2D-4F12E71A0C18}" type="datetimeFigureOut">
               <a:rPr lang="cs-CZ" smtClean="0"/>
-              <a:t>25.02.2020</a:t>
+              <a:t>27.02.2020</a:t>
             </a:fld>
             <a:endParaRPr lang="cs-CZ"/>
           </a:p>
@@ -2884,7 +2885,7 @@
           <a:p>
             <a:fld id="{0DA6F2F8-F70A-47D7-AD2D-4F12E71A0C18}" type="datetimeFigureOut">
               <a:rPr lang="cs-CZ" smtClean="0"/>
-              <a:t>25.02.2020</a:t>
+              <a:t>27.02.2020</a:t>
             </a:fld>
             <a:endParaRPr lang="cs-CZ"/>
           </a:p>
@@ -3153,7 +3154,7 @@
           <a:p>
             <a:fld id="{0DA6F2F8-F70A-47D7-AD2D-4F12E71A0C18}" type="datetimeFigureOut">
               <a:rPr lang="cs-CZ" smtClean="0"/>
-              <a:t>25.02.2020</a:t>
+              <a:t>27.02.2020</a:t>
             </a:fld>
             <a:endParaRPr lang="cs-CZ"/>
           </a:p>
@@ -3417,7 +3418,7 @@
           <a:p>
             <a:fld id="{0DA6F2F8-F70A-47D7-AD2D-4F12E71A0C18}" type="datetimeFigureOut">
               <a:rPr lang="cs-CZ" smtClean="0"/>
-              <a:t>25.02.2020</a:t>
+              <a:t>27.02.2020</a:t>
             </a:fld>
             <a:endParaRPr lang="cs-CZ"/>
           </a:p>
@@ -3841,21 +3842,16 @@
               <a:t>Blazor</a:t>
             </a:r>
             <a:br>
-              <a:rPr lang="cs-CZ" b="1"/>
+              <a:rPr lang="cs-CZ" b="1" dirty="0"/>
             </a:br>
             <a:r>
-              <a:rPr lang="cs-CZ" sz="4000">
+              <a:rPr lang="cs-CZ" sz="4000" dirty="0">
                 <a:solidFill>
                   <a:srgbClr val="000000"/>
                 </a:solidFill>
               </a:rPr>
-              <a:t>Error Handling</a:t>
-            </a:r>
-            <a:endParaRPr lang="cs-CZ" sz="4000" dirty="0">
-              <a:solidFill>
-                <a:srgbClr val="000000"/>
-              </a:solidFill>
-            </a:endParaRPr>
+              <a:t>Architektura aplikace</a:t>
+            </a:r>
           </a:p>
         </p:txBody>
       </p:sp>
@@ -3939,77 +3935,206 @@
           <a:p>
             <a:r>
               <a:rPr lang="cs-CZ" dirty="0"/>
-              <a:t>Komunikace mezi komponentami</a:t>
-            </a:r>
-          </a:p>
-        </p:txBody>
-      </p:sp>
-      <p:sp>
-        <p:nvSpPr>
-          <p:cNvPr id="3" name="Content Placeholder 2">
+              <a:t>Architektura aplikace</a:t>
+            </a:r>
+          </a:p>
+        </p:txBody>
+      </p:sp>
+      <p:pic>
+        <p:nvPicPr>
+          <p:cNvPr id="23" name="Graphic 22" descr="Internet">
             <a:extLst>
               <a:ext uri="{FF2B5EF4-FFF2-40B4-BE49-F238E27FC236}">
-                <a16:creationId xmlns:a16="http://schemas.microsoft.com/office/drawing/2014/main" id="{FB418A4C-9A9B-4499-B759-9AF77915E766}"/>
+                <a16:creationId xmlns:a16="http://schemas.microsoft.com/office/drawing/2014/main" id="{DCF3A83F-DB66-440C-BB32-DD0D0DB97711}"/>
               </a:ext>
             </a:extLst>
           </p:cNvPr>
-          <p:cNvSpPr>
-            <a:spLocks noGrp="1"/>
-          </p:cNvSpPr>
-          <p:nvPr>
-            <p:ph idx="1"/>
-          </p:nvPr>
-        </p:nvSpPr>
-        <p:spPr/>
-        <p:txBody>
-          <a:bodyPr>
-            <a:normAutofit/>
+          <p:cNvPicPr>
+            <a:picLocks noChangeAspect="1"/>
+          </p:cNvPicPr>
+          <p:nvPr/>
+        </p:nvPicPr>
+        <p:blipFill>
+          <a:blip r:embed="rId2">
+            <a:extLst>
+              <a:ext uri="{28A0092B-C50C-407E-A947-70E740481C1C}">
+                <a14:useLocalDpi xmlns:a14="http://schemas.microsoft.com/office/drawing/2010/main" val="0"/>
+              </a:ext>
+              <a:ext uri="{96DAC541-7B7A-43D3-8B79-37D633B846F1}">
+                <asvg:svgBlip xmlns:asvg="http://schemas.microsoft.com/office/drawing/2016/SVG/main" r:embed="rId3"/>
+              </a:ext>
+            </a:extLst>
+          </a:blip>
+          <a:stretch>
+            <a:fillRect/>
+          </a:stretch>
+        </p:blipFill>
+        <p:spPr>
+          <a:xfrm>
+            <a:off x="1562546" y="2076346"/>
+            <a:ext cx="914400" cy="914400"/>
+          </a:xfrm>
+          <a:prstGeom prst="rect">
+            <a:avLst/>
+          </a:prstGeom>
+        </p:spPr>
+      </p:pic>
+      <p:sp>
+        <p:nvSpPr>
+          <p:cNvPr id="25" name="TextBox 24">
+            <a:extLst>
+              <a:ext uri="{FF2B5EF4-FFF2-40B4-BE49-F238E27FC236}">
+                <a16:creationId xmlns:a16="http://schemas.microsoft.com/office/drawing/2014/main" id="{AEF7AE1E-7A7E-4C62-BD4B-20A03B97DE91}"/>
+              </a:ext>
+            </a:extLst>
+          </p:cNvPr>
+          <p:cNvSpPr txBox="1"/>
+          <p:nvPr/>
+        </p:nvSpPr>
+        <p:spPr>
+          <a:xfrm>
+            <a:off x="3935760" y="2348880"/>
+            <a:ext cx="1172116" cy="369332"/>
+          </a:xfrm>
+          <a:prstGeom prst="rect">
+            <a:avLst/>
+          </a:prstGeom>
+          <a:noFill/>
+        </p:spPr>
+        <p:txBody>
+          <a:bodyPr wrap="square" rtlCol="0">
+            <a:spAutoFit/>
           </a:bodyPr>
           <a:lstStyle/>
           <a:p>
+            <a:pPr algn="ctr"/>
             <a:r>
               <a:rPr lang="cs-CZ" dirty="0"/>
-              <a:t>Události</a:t>
-            </a:r>
-          </a:p>
+              <a:t>Web</a:t>
+            </a:r>
+          </a:p>
+        </p:txBody>
+      </p:sp>
+      <p:sp>
+        <p:nvSpPr>
+          <p:cNvPr id="27" name="TextBox 26">
+            <a:extLst>
+              <a:ext uri="{FF2B5EF4-FFF2-40B4-BE49-F238E27FC236}">
+                <a16:creationId xmlns:a16="http://schemas.microsoft.com/office/drawing/2014/main" id="{3222C94C-3C4B-45BB-B659-31D77FDA2678}"/>
+              </a:ext>
+            </a:extLst>
+          </p:cNvPr>
+          <p:cNvSpPr txBox="1"/>
+          <p:nvPr/>
+        </p:nvSpPr>
+        <p:spPr>
+          <a:xfrm>
+            <a:off x="6566690" y="2348880"/>
+            <a:ext cx="1172116" cy="369332"/>
+          </a:xfrm>
+          <a:prstGeom prst="rect">
+            <a:avLst/>
+          </a:prstGeom>
+          <a:noFill/>
+        </p:spPr>
+        <p:txBody>
+          <a:bodyPr wrap="square" rtlCol="0">
+            <a:spAutoFit/>
+          </a:bodyPr>
+          <a:lstStyle/>
           <a:p>
             <a:r>
               <a:rPr lang="cs-CZ" dirty="0"/>
-              <a:t>Databinding</a:t>
-            </a:r>
-          </a:p>
-          <a:p>
-            <a:r>
-              <a:rPr lang="cs-CZ" dirty="0"/>
-              <a:t>Cascading Value and Parameter</a:t>
-            </a:r>
-          </a:p>
-          <a:p>
-            <a:r>
-              <a:rPr lang="cs-CZ" dirty="0"/>
-              <a:t>Alternativní</a:t>
-            </a:r>
-          </a:p>
-          <a:p>
-            <a:pPr lvl="1"/>
-            <a:r>
-              <a:rPr lang="cs-CZ" dirty="0"/>
-              <a:t>Flux/Redux (demo: Blazor.Fluxor)</a:t>
-            </a:r>
-          </a:p>
-          <a:p>
-            <a:pPr lvl="1"/>
-            <a:r>
-              <a:rPr lang="cs-CZ" dirty="0"/>
-              <a:t>Messaging (demo: Blazor.EventAggregator)</a:t>
-            </a:r>
-          </a:p>
-          <a:p>
-            <a:pPr lvl="1"/>
-            <a:r>
-              <a:rPr lang="cs-CZ" dirty="0"/>
-              <a:t>...</a:t>
-            </a:r>
+              <a:t>Databáze</a:t>
+            </a:r>
+          </a:p>
+        </p:txBody>
+      </p:sp>
+      <p:sp>
+        <p:nvSpPr>
+          <p:cNvPr id="29" name="Arrow: Left-Right 28">
+            <a:extLst>
+              <a:ext uri="{FF2B5EF4-FFF2-40B4-BE49-F238E27FC236}">
+                <a16:creationId xmlns:a16="http://schemas.microsoft.com/office/drawing/2014/main" id="{B052ED9C-1E16-4C96-876A-C05B3FD28074}"/>
+              </a:ext>
+            </a:extLst>
+          </p:cNvPr>
+          <p:cNvSpPr/>
+          <p:nvPr/>
+        </p:nvSpPr>
+        <p:spPr>
+          <a:xfrm>
+            <a:off x="2832365" y="2446149"/>
+            <a:ext cx="747976" cy="174794"/>
+          </a:xfrm>
+          <a:prstGeom prst="leftRightArrow">
+            <a:avLst/>
+          </a:prstGeom>
+        </p:spPr>
+        <p:style>
+          <a:lnRef idx="2">
+            <a:schemeClr val="dk1"/>
+          </a:lnRef>
+          <a:fillRef idx="1">
+            <a:schemeClr val="lt1"/>
+          </a:fillRef>
+          <a:effectRef idx="0">
+            <a:schemeClr val="dk1"/>
+          </a:effectRef>
+          <a:fontRef idx="minor">
+            <a:schemeClr val="dk1"/>
+          </a:fontRef>
+        </p:style>
+        <p:txBody>
+          <a:bodyPr rtlCol="0" anchor="ctr"/>
+          <a:lstStyle/>
+          <a:p>
+            <a:pPr algn="ctr"/>
+            <a:endParaRPr lang="cs-CZ"/>
+          </a:p>
+        </p:txBody>
+      </p:sp>
+      <p:sp>
+        <p:nvSpPr>
+          <p:cNvPr id="30" name="Arrow: Left-Right 29">
+            <a:extLst>
+              <a:ext uri="{FF2B5EF4-FFF2-40B4-BE49-F238E27FC236}">
+                <a16:creationId xmlns:a16="http://schemas.microsoft.com/office/drawing/2014/main" id="{F4870D0F-D3BF-4E24-9049-6D3E7BF4C235}"/>
+              </a:ext>
+            </a:extLst>
+          </p:cNvPr>
+          <p:cNvSpPr/>
+          <p:nvPr/>
+        </p:nvSpPr>
+        <p:spPr>
+          <a:xfrm>
+            <a:off x="5463295" y="2446149"/>
+            <a:ext cx="747976" cy="174794"/>
+          </a:xfrm>
+          <a:prstGeom prst="leftRightArrow">
+            <a:avLst/>
+          </a:prstGeom>
+        </p:spPr>
+        <p:style>
+          <a:lnRef idx="2">
+            <a:schemeClr val="dk1"/>
+          </a:lnRef>
+          <a:fillRef idx="1">
+            <a:schemeClr val="lt1"/>
+          </a:fillRef>
+          <a:effectRef idx="0">
+            <a:schemeClr val="dk1"/>
+          </a:effectRef>
+          <a:fontRef idx="minor">
+            <a:schemeClr val="dk1"/>
+          </a:fontRef>
+        </p:style>
+        <p:txBody>
+          <a:bodyPr rtlCol="0" anchor="ctr"/>
+          <a:lstStyle/>
+          <a:p>
+            <a:pPr algn="ctr"/>
+            <a:endParaRPr lang="cs-CZ"/>
           </a:p>
         </p:txBody>
       </p:sp>
@@ -4017,6 +4142,353 @@
     <p:extLst>
       <p:ext uri="{BB962C8B-B14F-4D97-AF65-F5344CB8AC3E}">
         <p14:creationId xmlns:p14="http://schemas.microsoft.com/office/powerpoint/2010/main" val="1223539491"/>
+      </p:ext>
+    </p:extLst>
+  </p:cSld>
+  <p:clrMapOvr>
+    <a:masterClrMapping/>
+  </p:clrMapOvr>
+  <mc:AlternateContent xmlns:mc="http://schemas.openxmlformats.org/markup-compatibility/2006" xmlns:p14="http://schemas.microsoft.com/office/powerpoint/2010/main">
+    <mc:Choice Requires="p14">
+      <p:transition spd="med" p14:dur="700">
+        <p:fade/>
+      </p:transition>
+    </mc:Choice>
+    <mc:Fallback xmlns="">
+      <p:transition spd="med">
+        <p:fade/>
+      </p:transition>
+    </mc:Fallback>
+  </mc:AlternateContent>
+</p:sld>
+</file>
+
+<file path=ppt/slides/slide3.xml><?xml version="1.0" encoding="utf-8"?>
+<p:sld xmlns:a="http://schemas.openxmlformats.org/drawingml/2006/main" xmlns:r="http://schemas.openxmlformats.org/officeDocument/2006/relationships" xmlns:p="http://schemas.openxmlformats.org/presentationml/2006/main">
+  <p:cSld>
+    <p:spTree>
+      <p:nvGrpSpPr>
+        <p:cNvPr id="1" name=""/>
+        <p:cNvGrpSpPr/>
+        <p:nvPr/>
+      </p:nvGrpSpPr>
+      <p:grpSpPr>
+        <a:xfrm>
+          <a:off x="0" y="0"/>
+          <a:ext cx="0" cy="0"/>
+          <a:chOff x="0" y="0"/>
+          <a:chExt cx="0" cy="0"/>
+        </a:xfrm>
+      </p:grpSpPr>
+      <p:sp>
+        <p:nvSpPr>
+          <p:cNvPr id="2" name="Title 1">
+            <a:extLst>
+              <a:ext uri="{FF2B5EF4-FFF2-40B4-BE49-F238E27FC236}">
+                <a16:creationId xmlns:a16="http://schemas.microsoft.com/office/drawing/2014/main" id="{CB04C9BE-800B-49A7-A08D-CEB5CED67FDD}"/>
+              </a:ext>
+            </a:extLst>
+          </p:cNvPr>
+          <p:cNvSpPr>
+            <a:spLocks noGrp="1"/>
+          </p:cNvSpPr>
+          <p:nvPr>
+            <p:ph type="title"/>
+          </p:nvPr>
+        </p:nvSpPr>
+        <p:spPr/>
+        <p:txBody>
+          <a:bodyPr/>
+          <a:lstStyle/>
+          <a:p>
+            <a:r>
+              <a:rPr lang="cs-CZ" dirty="0"/>
+              <a:t>Architektura aplikace</a:t>
+            </a:r>
+          </a:p>
+        </p:txBody>
+      </p:sp>
+      <p:pic>
+        <p:nvPicPr>
+          <p:cNvPr id="23" name="Graphic 22" descr="Internet">
+            <a:extLst>
+              <a:ext uri="{FF2B5EF4-FFF2-40B4-BE49-F238E27FC236}">
+                <a16:creationId xmlns:a16="http://schemas.microsoft.com/office/drawing/2014/main" id="{DCF3A83F-DB66-440C-BB32-DD0D0DB97711}"/>
+              </a:ext>
+            </a:extLst>
+          </p:cNvPr>
+          <p:cNvPicPr>
+            <a:picLocks noChangeAspect="1"/>
+          </p:cNvPicPr>
+          <p:nvPr/>
+        </p:nvPicPr>
+        <p:blipFill>
+          <a:blip r:embed="rId2">
+            <a:extLst>
+              <a:ext uri="{28A0092B-C50C-407E-A947-70E740481C1C}">
+                <a14:useLocalDpi xmlns:a14="http://schemas.microsoft.com/office/drawing/2010/main" val="0"/>
+              </a:ext>
+              <a:ext uri="{96DAC541-7B7A-43D3-8B79-37D633B846F1}">
+                <asvg:svgBlip xmlns:asvg="http://schemas.microsoft.com/office/drawing/2016/SVG/main" r:embed="rId3"/>
+              </a:ext>
+            </a:extLst>
+          </a:blip>
+          <a:stretch>
+            <a:fillRect/>
+          </a:stretch>
+        </p:blipFill>
+        <p:spPr>
+          <a:xfrm>
+            <a:off x="1562546" y="2076346"/>
+            <a:ext cx="914400" cy="914400"/>
+          </a:xfrm>
+          <a:prstGeom prst="rect">
+            <a:avLst/>
+          </a:prstGeom>
+        </p:spPr>
+      </p:pic>
+      <p:sp>
+        <p:nvSpPr>
+          <p:cNvPr id="25" name="TextBox 24">
+            <a:extLst>
+              <a:ext uri="{FF2B5EF4-FFF2-40B4-BE49-F238E27FC236}">
+                <a16:creationId xmlns:a16="http://schemas.microsoft.com/office/drawing/2014/main" id="{AEF7AE1E-7A7E-4C62-BD4B-20A03B97DE91}"/>
+              </a:ext>
+            </a:extLst>
+          </p:cNvPr>
+          <p:cNvSpPr txBox="1"/>
+          <p:nvPr/>
+        </p:nvSpPr>
+        <p:spPr>
+          <a:xfrm>
+            <a:off x="3935760" y="2348880"/>
+            <a:ext cx="1172116" cy="369332"/>
+          </a:xfrm>
+          <a:prstGeom prst="rect">
+            <a:avLst/>
+          </a:prstGeom>
+          <a:noFill/>
+        </p:spPr>
+        <p:txBody>
+          <a:bodyPr wrap="square" rtlCol="0">
+            <a:spAutoFit/>
+          </a:bodyPr>
+          <a:lstStyle/>
+          <a:p>
+            <a:pPr algn="ctr"/>
+            <a:r>
+              <a:rPr lang="cs-CZ" dirty="0"/>
+              <a:t>Web</a:t>
+            </a:r>
+          </a:p>
+        </p:txBody>
+      </p:sp>
+      <p:sp>
+        <p:nvSpPr>
+          <p:cNvPr id="27" name="TextBox 26">
+            <a:extLst>
+              <a:ext uri="{FF2B5EF4-FFF2-40B4-BE49-F238E27FC236}">
+                <a16:creationId xmlns:a16="http://schemas.microsoft.com/office/drawing/2014/main" id="{3222C94C-3C4B-45BB-B659-31D77FDA2678}"/>
+              </a:ext>
+            </a:extLst>
+          </p:cNvPr>
+          <p:cNvSpPr txBox="1"/>
+          <p:nvPr/>
+        </p:nvSpPr>
+        <p:spPr>
+          <a:xfrm>
+            <a:off x="6566690" y="2348880"/>
+            <a:ext cx="1172116" cy="369332"/>
+          </a:xfrm>
+          <a:prstGeom prst="rect">
+            <a:avLst/>
+          </a:prstGeom>
+          <a:noFill/>
+        </p:spPr>
+        <p:txBody>
+          <a:bodyPr wrap="square" rtlCol="0">
+            <a:spAutoFit/>
+          </a:bodyPr>
+          <a:lstStyle/>
+          <a:p>
+            <a:r>
+              <a:rPr lang="cs-CZ" dirty="0"/>
+              <a:t>WebAPI</a:t>
+            </a:r>
+          </a:p>
+        </p:txBody>
+      </p:sp>
+      <p:sp>
+        <p:nvSpPr>
+          <p:cNvPr id="29" name="Arrow: Left-Right 28">
+            <a:extLst>
+              <a:ext uri="{FF2B5EF4-FFF2-40B4-BE49-F238E27FC236}">
+                <a16:creationId xmlns:a16="http://schemas.microsoft.com/office/drawing/2014/main" id="{B052ED9C-1E16-4C96-876A-C05B3FD28074}"/>
+              </a:ext>
+            </a:extLst>
+          </p:cNvPr>
+          <p:cNvSpPr/>
+          <p:nvPr/>
+        </p:nvSpPr>
+        <p:spPr>
+          <a:xfrm>
+            <a:off x="2832365" y="2446149"/>
+            <a:ext cx="747976" cy="174794"/>
+          </a:xfrm>
+          <a:prstGeom prst="leftRightArrow">
+            <a:avLst/>
+          </a:prstGeom>
+        </p:spPr>
+        <p:style>
+          <a:lnRef idx="2">
+            <a:schemeClr val="dk1"/>
+          </a:lnRef>
+          <a:fillRef idx="1">
+            <a:schemeClr val="lt1"/>
+          </a:fillRef>
+          <a:effectRef idx="0">
+            <a:schemeClr val="dk1"/>
+          </a:effectRef>
+          <a:fontRef idx="minor">
+            <a:schemeClr val="dk1"/>
+          </a:fontRef>
+        </p:style>
+        <p:txBody>
+          <a:bodyPr rtlCol="0" anchor="ctr"/>
+          <a:lstStyle/>
+          <a:p>
+            <a:pPr algn="ctr"/>
+            <a:endParaRPr lang="cs-CZ"/>
+          </a:p>
+        </p:txBody>
+      </p:sp>
+      <p:sp>
+        <p:nvSpPr>
+          <p:cNvPr id="30" name="Arrow: Left-Right 29">
+            <a:extLst>
+              <a:ext uri="{FF2B5EF4-FFF2-40B4-BE49-F238E27FC236}">
+                <a16:creationId xmlns:a16="http://schemas.microsoft.com/office/drawing/2014/main" id="{F4870D0F-D3BF-4E24-9049-6D3E7BF4C235}"/>
+              </a:ext>
+            </a:extLst>
+          </p:cNvPr>
+          <p:cNvSpPr/>
+          <p:nvPr/>
+        </p:nvSpPr>
+        <p:spPr>
+          <a:xfrm>
+            <a:off x="5463295" y="2446149"/>
+            <a:ext cx="747976" cy="174794"/>
+          </a:xfrm>
+          <a:prstGeom prst="leftRightArrow">
+            <a:avLst/>
+          </a:prstGeom>
+        </p:spPr>
+        <p:style>
+          <a:lnRef idx="2">
+            <a:schemeClr val="dk1"/>
+          </a:lnRef>
+          <a:fillRef idx="1">
+            <a:schemeClr val="lt1"/>
+          </a:fillRef>
+          <a:effectRef idx="0">
+            <a:schemeClr val="dk1"/>
+          </a:effectRef>
+          <a:fontRef idx="minor">
+            <a:schemeClr val="dk1"/>
+          </a:fontRef>
+        </p:style>
+        <p:txBody>
+          <a:bodyPr rtlCol="0" anchor="ctr"/>
+          <a:lstStyle/>
+          <a:p>
+            <a:pPr algn="ctr"/>
+            <a:endParaRPr lang="cs-CZ"/>
+          </a:p>
+        </p:txBody>
+      </p:sp>
+      <p:sp>
+        <p:nvSpPr>
+          <p:cNvPr id="31" name="Arrow: Left-Right 30">
+            <a:extLst>
+              <a:ext uri="{FF2B5EF4-FFF2-40B4-BE49-F238E27FC236}">
+                <a16:creationId xmlns:a16="http://schemas.microsoft.com/office/drawing/2014/main" id="{3E85FA46-AA91-42B1-B1CA-D2D335C3FB90}"/>
+              </a:ext>
+            </a:extLst>
+          </p:cNvPr>
+          <p:cNvSpPr/>
+          <p:nvPr/>
+        </p:nvSpPr>
+        <p:spPr>
+          <a:xfrm>
+            <a:off x="8094225" y="2446149"/>
+            <a:ext cx="747976" cy="174794"/>
+          </a:xfrm>
+          <a:prstGeom prst="leftRightArrow">
+            <a:avLst/>
+          </a:prstGeom>
+        </p:spPr>
+        <p:style>
+          <a:lnRef idx="2">
+            <a:schemeClr val="dk1"/>
+          </a:lnRef>
+          <a:fillRef idx="1">
+            <a:schemeClr val="lt1"/>
+          </a:fillRef>
+          <a:effectRef idx="0">
+            <a:schemeClr val="dk1"/>
+          </a:effectRef>
+          <a:fontRef idx="minor">
+            <a:schemeClr val="dk1"/>
+          </a:fontRef>
+        </p:style>
+        <p:txBody>
+          <a:bodyPr rtlCol="0" anchor="ctr"/>
+          <a:lstStyle/>
+          <a:p>
+            <a:pPr algn="ctr"/>
+            <a:endParaRPr lang="cs-CZ"/>
+          </a:p>
+        </p:txBody>
+      </p:sp>
+      <p:sp>
+        <p:nvSpPr>
+          <p:cNvPr id="33" name="TextBox 32">
+            <a:extLst>
+              <a:ext uri="{FF2B5EF4-FFF2-40B4-BE49-F238E27FC236}">
+                <a16:creationId xmlns:a16="http://schemas.microsoft.com/office/drawing/2014/main" id="{5AC12DA6-B9F5-4B4C-8392-1724C6512AFF}"/>
+              </a:ext>
+            </a:extLst>
+          </p:cNvPr>
+          <p:cNvSpPr txBox="1"/>
+          <p:nvPr/>
+        </p:nvSpPr>
+        <p:spPr>
+          <a:xfrm>
+            <a:off x="9197618" y="2348880"/>
+            <a:ext cx="1431835" cy="369332"/>
+          </a:xfrm>
+          <a:prstGeom prst="rect">
+            <a:avLst/>
+          </a:prstGeom>
+          <a:noFill/>
+        </p:spPr>
+        <p:txBody>
+          <a:bodyPr wrap="square" rtlCol="0">
+            <a:spAutoFit/>
+          </a:bodyPr>
+          <a:lstStyle/>
+          <a:p>
+            <a:r>
+              <a:rPr lang="cs-CZ" dirty="0"/>
+              <a:t>Databáze</a:t>
+            </a:r>
+          </a:p>
+        </p:txBody>
+      </p:sp>
+    </p:spTree>
+    <p:extLst>
+      <p:ext uri="{BB962C8B-B14F-4D97-AF65-F5344CB8AC3E}">
+        <p14:creationId xmlns:p14="http://schemas.microsoft.com/office/powerpoint/2010/main" val="1468843354"/>
       </p:ext>
     </p:extLst>
   </p:cSld>
